--- a/Semana5/Modos de direccionamiento.pptx
+++ b/Semana5/Modos de direccionamiento.pptx
@@ -3078,7 +3078,7 @@
           <a:p>
             <a:r>
               <a:rPr lang="es-MX" smtClean="0"/>
-              <a:t>Marzo2012</a:t>
+              <a:t>Marzo 2013</a:t>
             </a:r>
             <a:endParaRPr lang="es-MX" dirty="0"/>
           </a:p>
